--- a/Doc/我的第一支R語言程式.pptx
+++ b/Doc/我的第一支R語言程式.pptx
@@ -5,7 +5,7 @@
     <p:sldMasterId id="2147483648" r:id="rId1"/>
   </p:sldMasterIdLst>
   <p:notesMasterIdLst>
-    <p:notesMasterId r:id="rId12"/>
+    <p:notesMasterId r:id="rId14"/>
   </p:notesMasterIdLst>
   <p:sldIdLst>
     <p:sldId id="256" r:id="rId2"/>
@@ -18,6 +18,8 @@
     <p:sldId id="260" r:id="rId9"/>
     <p:sldId id="262" r:id="rId10"/>
     <p:sldId id="264" r:id="rId11"/>
+    <p:sldId id="266" r:id="rId12"/>
+    <p:sldId id="267" r:id="rId13"/>
   </p:sldIdLst>
   <p:sldSz cx="12192000" cy="6858000"/>
   <p:notesSz cx="6858000" cy="9144000"/>
@@ -1300,251 +1302,6 @@
       <dsp:cNvGrpSpPr/>
     </dsp:nvGrpSpPr>
     <dsp:grpSpPr/>
-    <dsp:sp modelId="{803949BE-D143-4681-99A1-C0A72593FB8B}">
-      <dsp:nvSpPr>
-        <dsp:cNvPr id="0" name=""/>
-        <dsp:cNvSpPr/>
-      </dsp:nvSpPr>
-      <dsp:spPr>
-        <a:xfrm>
-          <a:off x="3684711" y="72847"/>
-          <a:ext cx="3496696" cy="3496696"/>
-        </a:xfrm>
-        <a:prstGeom prst="ellipse">
-          <a:avLst/>
-        </a:prstGeom>
-        <a:solidFill>
-          <a:schemeClr val="accent2">
-            <a:alpha val="50000"/>
-            <a:hueOff val="0"/>
-            <a:satOff val="0"/>
-            <a:lumOff val="0"/>
-            <a:alphaOff val="0"/>
-          </a:schemeClr>
-        </a:solidFill>
-        <a:ln w="12700" cap="flat" cmpd="sng" algn="ctr">
-          <a:solidFill>
-            <a:schemeClr val="lt1">
-              <a:hueOff val="0"/>
-              <a:satOff val="0"/>
-              <a:lumOff val="0"/>
-              <a:alphaOff val="0"/>
-            </a:schemeClr>
-          </a:solidFill>
-          <a:prstDash val="solid"/>
-          <a:miter lim="800000"/>
-        </a:ln>
-        <a:effectLst/>
-      </dsp:spPr>
-      <dsp:style>
-        <a:lnRef idx="2">
-          <a:scrgbClr r="0" g="0" b="0"/>
-        </a:lnRef>
-        <a:fillRef idx="1">
-          <a:scrgbClr r="0" g="0" b="0"/>
-        </a:fillRef>
-        <a:effectRef idx="0">
-          <a:scrgbClr r="0" g="0" b="0"/>
-        </a:effectRef>
-        <a:fontRef idx="minor">
-          <a:schemeClr val="tx1"/>
-        </a:fontRef>
-      </dsp:style>
-      <dsp:txBody>
-        <a:bodyPr spcFirstLastPara="0" vert="horz" wrap="square" lIns="0" tIns="0" rIns="0" bIns="0" numCol="1" spcCol="1270" anchor="ctr" anchorCtr="0">
-          <a:noAutofit/>
-        </a:bodyPr>
-        <a:lstStyle/>
-        <a:p>
-          <a:pPr lvl="0" algn="ctr" defTabSz="2489200">
-            <a:lnSpc>
-              <a:spcPct val="90000"/>
-            </a:lnSpc>
-            <a:spcBef>
-              <a:spcPct val="0"/>
-            </a:spcBef>
-            <a:spcAft>
-              <a:spcPct val="35000"/>
-            </a:spcAft>
-          </a:pPr>
-          <a:r>
-            <a:rPr lang="en-US" altLang="zh-TW" sz="5600" kern="1200" dirty="0" smtClean="0"/>
-            <a:t>Window Form</a:t>
-          </a:r>
-          <a:endParaRPr lang="zh-TW" altLang="en-US" sz="5600" kern="1200" dirty="0"/>
-        </a:p>
-      </dsp:txBody>
-      <dsp:txXfrm>
-        <a:off x="4150937" y="684769"/>
-        <a:ext cx="2564244" cy="1573513"/>
-      </dsp:txXfrm>
-    </dsp:sp>
-    <dsp:sp modelId="{DD090077-600C-4D4D-AA82-BA03F903F997}">
-      <dsp:nvSpPr>
-        <dsp:cNvPr id="0" name=""/>
-        <dsp:cNvSpPr/>
-      </dsp:nvSpPr>
-      <dsp:spPr>
-        <a:xfrm>
-          <a:off x="4946436" y="2258283"/>
-          <a:ext cx="3496696" cy="3496696"/>
-        </a:xfrm>
-        <a:prstGeom prst="ellipse">
-          <a:avLst/>
-        </a:prstGeom>
-        <a:solidFill>
-          <a:schemeClr val="accent3">
-            <a:alpha val="50000"/>
-            <a:hueOff val="0"/>
-            <a:satOff val="0"/>
-            <a:lumOff val="0"/>
-            <a:alphaOff val="0"/>
-          </a:schemeClr>
-        </a:solidFill>
-        <a:ln w="12700" cap="flat" cmpd="sng" algn="ctr">
-          <a:solidFill>
-            <a:schemeClr val="lt1">
-              <a:hueOff val="0"/>
-              <a:satOff val="0"/>
-              <a:lumOff val="0"/>
-              <a:alphaOff val="0"/>
-            </a:schemeClr>
-          </a:solidFill>
-          <a:prstDash val="solid"/>
-          <a:miter lim="800000"/>
-        </a:ln>
-        <a:effectLst/>
-      </dsp:spPr>
-      <dsp:style>
-        <a:lnRef idx="2">
-          <a:scrgbClr r="0" g="0" b="0"/>
-        </a:lnRef>
-        <a:fillRef idx="1">
-          <a:scrgbClr r="0" g="0" b="0"/>
-        </a:fillRef>
-        <a:effectRef idx="0">
-          <a:scrgbClr r="0" g="0" b="0"/>
-        </a:effectRef>
-        <a:fontRef idx="minor">
-          <a:schemeClr val="tx1"/>
-        </a:fontRef>
-      </dsp:style>
-      <dsp:txBody>
-        <a:bodyPr spcFirstLastPara="0" vert="horz" wrap="square" lIns="0" tIns="0" rIns="0" bIns="0" numCol="1" spcCol="1270" anchor="ctr" anchorCtr="0">
-          <a:noAutofit/>
-        </a:bodyPr>
-        <a:lstStyle/>
-        <a:p>
-          <a:pPr lvl="0" algn="ctr" defTabSz="2489200">
-            <a:lnSpc>
-              <a:spcPct val="90000"/>
-            </a:lnSpc>
-            <a:spcBef>
-              <a:spcPct val="0"/>
-            </a:spcBef>
-            <a:spcAft>
-              <a:spcPct val="35000"/>
-            </a:spcAft>
-          </a:pPr>
-          <a:r>
-            <a:rPr lang="en-US" altLang="zh-TW" sz="5600" kern="1200" dirty="0" smtClean="0"/>
-            <a:t>MS</a:t>
-          </a:r>
-          <a:r>
-            <a:rPr lang="zh-TW" altLang="en-US" sz="5600" kern="1200" dirty="0" smtClean="0"/>
-            <a:t> </a:t>
-          </a:r>
-          <a:r>
-            <a:rPr lang="en-US" altLang="zh-TW" sz="5600" kern="1200" dirty="0" smtClean="0"/>
-            <a:t>SQL</a:t>
-          </a:r>
-          <a:endParaRPr lang="zh-TW" altLang="en-US" sz="5600" kern="1200" dirty="0"/>
-        </a:p>
-      </dsp:txBody>
-      <dsp:txXfrm>
-        <a:off x="6015842" y="3161596"/>
-        <a:ext cx="2098018" cy="1923183"/>
-      </dsp:txXfrm>
-    </dsp:sp>
-    <dsp:sp modelId="{35F5D099-0A74-415A-8E72-31169F4C46CF}">
-      <dsp:nvSpPr>
-        <dsp:cNvPr id="0" name=""/>
-        <dsp:cNvSpPr/>
-      </dsp:nvSpPr>
-      <dsp:spPr>
-        <a:xfrm>
-          <a:off x="2422986" y="2258283"/>
-          <a:ext cx="3496696" cy="3496696"/>
-        </a:xfrm>
-        <a:prstGeom prst="ellipse">
-          <a:avLst/>
-        </a:prstGeom>
-        <a:solidFill>
-          <a:schemeClr val="accent4">
-            <a:alpha val="50000"/>
-            <a:hueOff val="0"/>
-            <a:satOff val="0"/>
-            <a:lumOff val="0"/>
-            <a:alphaOff val="0"/>
-          </a:schemeClr>
-        </a:solidFill>
-        <a:ln w="12700" cap="flat" cmpd="sng" algn="ctr">
-          <a:solidFill>
-            <a:schemeClr val="lt1">
-              <a:hueOff val="0"/>
-              <a:satOff val="0"/>
-              <a:lumOff val="0"/>
-              <a:alphaOff val="0"/>
-            </a:schemeClr>
-          </a:solidFill>
-          <a:prstDash val="solid"/>
-          <a:miter lim="800000"/>
-        </a:ln>
-        <a:effectLst/>
-      </dsp:spPr>
-      <dsp:style>
-        <a:lnRef idx="2">
-          <a:scrgbClr r="0" g="0" b="0"/>
-        </a:lnRef>
-        <a:fillRef idx="1">
-          <a:scrgbClr r="0" g="0" b="0"/>
-        </a:fillRef>
-        <a:effectRef idx="0">
-          <a:scrgbClr r="0" g="0" b="0"/>
-        </a:effectRef>
-        <a:fontRef idx="minor">
-          <a:schemeClr val="tx1"/>
-        </a:fontRef>
-      </dsp:style>
-      <dsp:txBody>
-        <a:bodyPr spcFirstLastPara="0" vert="horz" wrap="square" lIns="0" tIns="0" rIns="0" bIns="0" numCol="1" spcCol="1270" anchor="ctr" anchorCtr="0">
-          <a:noAutofit/>
-        </a:bodyPr>
-        <a:lstStyle/>
-        <a:p>
-          <a:pPr lvl="0" algn="ctr" defTabSz="2489200">
-            <a:lnSpc>
-              <a:spcPct val="90000"/>
-            </a:lnSpc>
-            <a:spcBef>
-              <a:spcPct val="0"/>
-            </a:spcBef>
-            <a:spcAft>
-              <a:spcPct val="35000"/>
-            </a:spcAft>
-          </a:pPr>
-          <a:r>
-            <a:rPr lang="en-US" altLang="zh-TW" sz="5600" kern="1200" dirty="0" smtClean="0"/>
-            <a:t>R</a:t>
-          </a:r>
-          <a:endParaRPr lang="zh-TW" altLang="en-US" sz="5600" kern="1200" dirty="0"/>
-        </a:p>
-      </dsp:txBody>
-      <dsp:txXfrm>
-        <a:off x="2752259" y="3161596"/>
-        <a:ext cx="2098018" cy="1923183"/>
-      </dsp:txXfrm>
-    </dsp:sp>
   </dsp:spTree>
 </dsp:drawing>
 </file>
@@ -3540,7 +3297,7 @@
           <a:p>
             <a:fld id="{B65B3D0C-009C-4598-B7BD-B36179733C94}" type="datetimeFigureOut">
               <a:rPr lang="zh-TW" altLang="en-US" smtClean="0"/>
-              <a:t>2018/2/7</a:t>
+              <a:t>2018/2/22</a:t>
             </a:fld>
             <a:endParaRPr lang="zh-TW" altLang="en-US"/>
           </a:p>
@@ -4137,7 +3894,7 @@
           <a:p>
             <a:fld id="{53FC6579-3E6F-4DE5-ABE4-C395C73D3F5B}" type="datetimeFigureOut">
               <a:rPr lang="zh-TW" altLang="en-US" smtClean="0"/>
-              <a:t>2018/2/7</a:t>
+              <a:t>2018/2/22</a:t>
             </a:fld>
             <a:endParaRPr lang="zh-TW" altLang="en-US"/>
           </a:p>
@@ -4307,7 +4064,7 @@
           <a:p>
             <a:fld id="{53FC6579-3E6F-4DE5-ABE4-C395C73D3F5B}" type="datetimeFigureOut">
               <a:rPr lang="zh-TW" altLang="en-US" smtClean="0"/>
-              <a:t>2018/2/7</a:t>
+              <a:t>2018/2/22</a:t>
             </a:fld>
             <a:endParaRPr lang="zh-TW" altLang="en-US"/>
           </a:p>
@@ -4487,7 +4244,7 @@
           <a:p>
             <a:fld id="{53FC6579-3E6F-4DE5-ABE4-C395C73D3F5B}" type="datetimeFigureOut">
               <a:rPr lang="zh-TW" altLang="en-US" smtClean="0"/>
-              <a:t>2018/2/7</a:t>
+              <a:t>2018/2/22</a:t>
             </a:fld>
             <a:endParaRPr lang="zh-TW" altLang="en-US"/>
           </a:p>
@@ -4657,7 +4414,7 @@
           <a:p>
             <a:fld id="{53FC6579-3E6F-4DE5-ABE4-C395C73D3F5B}" type="datetimeFigureOut">
               <a:rPr lang="zh-TW" altLang="en-US" smtClean="0"/>
-              <a:t>2018/2/7</a:t>
+              <a:t>2018/2/22</a:t>
             </a:fld>
             <a:endParaRPr lang="zh-TW" altLang="en-US"/>
           </a:p>
@@ -4903,7 +4660,7 @@
           <a:p>
             <a:fld id="{53FC6579-3E6F-4DE5-ABE4-C395C73D3F5B}" type="datetimeFigureOut">
               <a:rPr lang="zh-TW" altLang="en-US" smtClean="0"/>
-              <a:t>2018/2/7</a:t>
+              <a:t>2018/2/22</a:t>
             </a:fld>
             <a:endParaRPr lang="zh-TW" altLang="en-US"/>
           </a:p>
@@ -5135,7 +4892,7 @@
           <a:p>
             <a:fld id="{53FC6579-3E6F-4DE5-ABE4-C395C73D3F5B}" type="datetimeFigureOut">
               <a:rPr lang="zh-TW" altLang="en-US" smtClean="0"/>
-              <a:t>2018/2/7</a:t>
+              <a:t>2018/2/22</a:t>
             </a:fld>
             <a:endParaRPr lang="zh-TW" altLang="en-US"/>
           </a:p>
@@ -5502,7 +5259,7 @@
           <a:p>
             <a:fld id="{53FC6579-3E6F-4DE5-ABE4-C395C73D3F5B}" type="datetimeFigureOut">
               <a:rPr lang="zh-TW" altLang="en-US" smtClean="0"/>
-              <a:t>2018/2/7</a:t>
+              <a:t>2018/2/22</a:t>
             </a:fld>
             <a:endParaRPr lang="zh-TW" altLang="en-US"/>
           </a:p>
@@ -5620,7 +5377,7 @@
           <a:p>
             <a:fld id="{53FC6579-3E6F-4DE5-ABE4-C395C73D3F5B}" type="datetimeFigureOut">
               <a:rPr lang="zh-TW" altLang="en-US" smtClean="0"/>
-              <a:t>2018/2/7</a:t>
+              <a:t>2018/2/22</a:t>
             </a:fld>
             <a:endParaRPr lang="zh-TW" altLang="en-US"/>
           </a:p>
@@ -5715,7 +5472,7 @@
           <a:p>
             <a:fld id="{53FC6579-3E6F-4DE5-ABE4-C395C73D3F5B}" type="datetimeFigureOut">
               <a:rPr lang="zh-TW" altLang="en-US" smtClean="0"/>
-              <a:t>2018/2/7</a:t>
+              <a:t>2018/2/22</a:t>
             </a:fld>
             <a:endParaRPr lang="zh-TW" altLang="en-US"/>
           </a:p>
@@ -5992,7 +5749,7 @@
           <a:p>
             <a:fld id="{53FC6579-3E6F-4DE5-ABE4-C395C73D3F5B}" type="datetimeFigureOut">
               <a:rPr lang="zh-TW" altLang="en-US" smtClean="0"/>
-              <a:t>2018/2/7</a:t>
+              <a:t>2018/2/22</a:t>
             </a:fld>
             <a:endParaRPr lang="zh-TW" altLang="en-US"/>
           </a:p>
@@ -6245,7 +6002,7 @@
           <a:p>
             <a:fld id="{53FC6579-3E6F-4DE5-ABE4-C395C73D3F5B}" type="datetimeFigureOut">
               <a:rPr lang="zh-TW" altLang="en-US" smtClean="0"/>
-              <a:t>2018/2/7</a:t>
+              <a:t>2018/2/22</a:t>
             </a:fld>
             <a:endParaRPr lang="zh-TW" altLang="en-US"/>
           </a:p>
@@ -6458,7 +6215,7 @@
           <a:p>
             <a:fld id="{53FC6579-3E6F-4DE5-ABE4-C395C73D3F5B}" type="datetimeFigureOut">
               <a:rPr lang="zh-TW" altLang="en-US" smtClean="0"/>
-              <a:t>2018/2/7</a:t>
+              <a:t>2018/2/22</a:t>
             </a:fld>
             <a:endParaRPr lang="zh-TW" altLang="en-US"/>
           </a:p>
@@ -7115,6 +6872,260 @@
 </p:sld>
 </file>
 
+<file path=ppt/slides/slide11.xml><?xml version="1.0" encoding="utf-8"?>
+<p:sld xmlns:a="http://schemas.openxmlformats.org/drawingml/2006/main" xmlns:r="http://schemas.openxmlformats.org/officeDocument/2006/relationships" xmlns:p="http://schemas.openxmlformats.org/presentationml/2006/main">
+  <p:cSld>
+    <p:spTree>
+      <p:nvGrpSpPr>
+        <p:cNvPr id="1" name=""/>
+        <p:cNvGrpSpPr/>
+        <p:nvPr/>
+      </p:nvGrpSpPr>
+      <p:grpSpPr>
+        <a:xfrm>
+          <a:off x="0" y="0"/>
+          <a:ext cx="0" cy="0"/>
+          <a:chOff x="0" y="0"/>
+          <a:chExt cx="0" cy="0"/>
+        </a:xfrm>
+      </p:grpSpPr>
+      <p:sp>
+        <p:nvSpPr>
+          <p:cNvPr id="2" name="標題 1"/>
+          <p:cNvSpPr>
+            <a:spLocks noGrp="1"/>
+          </p:cNvSpPr>
+          <p:nvPr>
+            <p:ph type="title"/>
+          </p:nvPr>
+        </p:nvSpPr>
+        <p:spPr/>
+        <p:txBody>
+          <a:bodyPr/>
+          <a:lstStyle/>
+          <a:p>
+            <a:r>
+              <a:rPr lang="zh-TW" altLang="en-US" dirty="0" smtClean="0"/>
+              <a:t>模擬結果</a:t>
+            </a:r>
+            <a:r>
+              <a:rPr lang="en-US" altLang="zh-TW" dirty="0" smtClean="0"/>
+              <a:t>(2017/12/1 ~ 2018/2/21</a:t>
+            </a:r>
+            <a:r>
+              <a:rPr lang="en-US" altLang="zh-TW" dirty="0" smtClean="0"/>
+              <a:t>)</a:t>
+            </a:r>
+            <a:endParaRPr lang="zh-TW" altLang="en-US" dirty="0"/>
+          </a:p>
+        </p:txBody>
+      </p:sp>
+      <p:pic>
+        <p:nvPicPr>
+          <p:cNvPr id="4" name="內容版面配置區 3"/>
+          <p:cNvPicPr>
+            <a:picLocks noGrp="1" noChangeAspect="1"/>
+          </p:cNvPicPr>
+          <p:nvPr>
+            <p:ph idx="1"/>
+          </p:nvPr>
+        </p:nvPicPr>
+        <p:blipFill>
+          <a:blip r:embed="rId2"/>
+          <a:stretch>
+            <a:fillRect/>
+          </a:stretch>
+        </p:blipFill>
+        <p:spPr>
+          <a:xfrm>
+            <a:off x="838200" y="1493986"/>
+            <a:ext cx="9825507" cy="5222720"/>
+          </a:xfrm>
+          <a:prstGeom prst="rect">
+            <a:avLst/>
+          </a:prstGeom>
+        </p:spPr>
+      </p:pic>
+      <p:sp>
+        <p:nvSpPr>
+          <p:cNvPr id="3" name="文字方塊 2"/>
+          <p:cNvSpPr txBox="1"/>
+          <p:nvPr/>
+        </p:nvSpPr>
+        <p:spPr>
+          <a:xfrm>
+            <a:off x="9598518" y="4494727"/>
+            <a:ext cx="940157" cy="369332"/>
+          </a:xfrm>
+          <a:prstGeom prst="rect">
+            <a:avLst/>
+          </a:prstGeom>
+          <a:noFill/>
+        </p:spPr>
+        <p:txBody>
+          <a:bodyPr wrap="square" rtlCol="0">
+            <a:spAutoFit/>
+          </a:bodyPr>
+          <a:lstStyle/>
+          <a:p>
+            <a:r>
+              <a:rPr lang="en-US" altLang="zh-TW" dirty="0" smtClean="0">
+                <a:solidFill>
+                  <a:srgbClr val="FF0000"/>
+                </a:solidFill>
+              </a:rPr>
+              <a:t>77329</a:t>
+            </a:r>
+            <a:endParaRPr lang="zh-TW" altLang="en-US" dirty="0">
+              <a:solidFill>
+                <a:srgbClr val="FF0000"/>
+              </a:solidFill>
+            </a:endParaRPr>
+          </a:p>
+        </p:txBody>
+      </p:sp>
+    </p:spTree>
+    <p:extLst>
+      <p:ext uri="{BB962C8B-B14F-4D97-AF65-F5344CB8AC3E}">
+        <p14:creationId xmlns:p14="http://schemas.microsoft.com/office/powerpoint/2010/main" val="4160993907"/>
+      </p:ext>
+    </p:extLst>
+  </p:cSld>
+  <p:clrMapOvr>
+    <a:masterClrMapping/>
+  </p:clrMapOvr>
+</p:sld>
+</file>
+
+<file path=ppt/slides/slide12.xml><?xml version="1.0" encoding="utf-8"?>
+<p:sld xmlns:a="http://schemas.openxmlformats.org/drawingml/2006/main" xmlns:r="http://schemas.openxmlformats.org/officeDocument/2006/relationships" xmlns:p="http://schemas.openxmlformats.org/presentationml/2006/main">
+  <p:cSld>
+    <p:spTree>
+      <p:nvGrpSpPr>
+        <p:cNvPr id="1" name=""/>
+        <p:cNvGrpSpPr/>
+        <p:nvPr/>
+      </p:nvGrpSpPr>
+      <p:grpSpPr>
+        <a:xfrm>
+          <a:off x="0" y="0"/>
+          <a:ext cx="0" cy="0"/>
+          <a:chOff x="0" y="0"/>
+          <a:chExt cx="0" cy="0"/>
+        </a:xfrm>
+      </p:grpSpPr>
+      <p:sp>
+        <p:nvSpPr>
+          <p:cNvPr id="2" name="標題 1"/>
+          <p:cNvSpPr>
+            <a:spLocks noGrp="1"/>
+          </p:cNvSpPr>
+          <p:nvPr>
+            <p:ph type="title"/>
+          </p:nvPr>
+        </p:nvSpPr>
+        <p:spPr/>
+        <p:txBody>
+          <a:bodyPr/>
+          <a:lstStyle/>
+          <a:p>
+            <a:r>
+              <a:rPr lang="zh-TW" altLang="en-US" dirty="0"/>
+              <a:t>模擬結果</a:t>
+            </a:r>
+            <a:r>
+              <a:rPr lang="en-US" altLang="zh-TW" dirty="0"/>
+              <a:t>(2017/12/1 ~ 2018/2/21</a:t>
+            </a:r>
+            <a:r>
+              <a:rPr lang="en-US" altLang="zh-TW" dirty="0" smtClean="0"/>
+              <a:t>)</a:t>
+            </a:r>
+            <a:r>
+              <a:rPr lang="zh-TW" altLang="en-US" sz="2400" dirty="0"/>
+              <a:t>加上資金控管</a:t>
+            </a:r>
+            <a:endParaRPr lang="zh-TW" altLang="en-US" dirty="0"/>
+          </a:p>
+        </p:txBody>
+      </p:sp>
+      <p:pic>
+        <p:nvPicPr>
+          <p:cNvPr id="4" name="內容版面配置區 3"/>
+          <p:cNvPicPr>
+            <a:picLocks noGrp="1" noChangeAspect="1"/>
+          </p:cNvPicPr>
+          <p:nvPr>
+            <p:ph idx="1"/>
+          </p:nvPr>
+        </p:nvPicPr>
+        <p:blipFill>
+          <a:blip r:embed="rId2"/>
+          <a:stretch>
+            <a:fillRect/>
+          </a:stretch>
+        </p:blipFill>
+        <p:spPr>
+          <a:xfrm>
+            <a:off x="838200" y="1554255"/>
+            <a:ext cx="9350887" cy="4970437"/>
+          </a:xfrm>
+          <a:prstGeom prst="rect">
+            <a:avLst/>
+          </a:prstGeom>
+        </p:spPr>
+      </p:pic>
+      <p:sp>
+        <p:nvSpPr>
+          <p:cNvPr id="5" name="文字方塊 4"/>
+          <p:cNvSpPr txBox="1"/>
+          <p:nvPr/>
+        </p:nvSpPr>
+        <p:spPr>
+          <a:xfrm>
+            <a:off x="9105363" y="4391696"/>
+            <a:ext cx="769763" cy="369332"/>
+          </a:xfrm>
+          <a:prstGeom prst="rect">
+            <a:avLst/>
+          </a:prstGeom>
+          <a:noFill/>
+        </p:spPr>
+        <p:txBody>
+          <a:bodyPr wrap="none" rtlCol="0">
+            <a:spAutoFit/>
+          </a:bodyPr>
+          <a:lstStyle/>
+          <a:p>
+            <a:r>
+              <a:rPr lang="en-US" altLang="zh-TW" dirty="0">
+                <a:solidFill>
+                  <a:srgbClr val="FF0000"/>
+                </a:solidFill>
+              </a:rPr>
+              <a:t>59916</a:t>
+            </a:r>
+            <a:endParaRPr lang="zh-TW" altLang="en-US" dirty="0">
+              <a:solidFill>
+                <a:srgbClr val="FF0000"/>
+              </a:solidFill>
+            </a:endParaRPr>
+          </a:p>
+        </p:txBody>
+      </p:sp>
+    </p:spTree>
+    <p:extLst>
+      <p:ext uri="{BB962C8B-B14F-4D97-AF65-F5344CB8AC3E}">
+        <p14:creationId xmlns:p14="http://schemas.microsoft.com/office/powerpoint/2010/main" val="2379801723"/>
+      </p:ext>
+    </p:extLst>
+  </p:cSld>
+  <p:clrMapOvr>
+    <a:masterClrMapping/>
+  </p:clrMapOvr>
+</p:sld>
+</file>
+
 <file path=ppt/slides/slide2.xml><?xml version="1.0" encoding="utf-8"?>
 <p:sld xmlns:a="http://schemas.openxmlformats.org/drawingml/2006/main" xmlns:r="http://schemas.openxmlformats.org/officeDocument/2006/relationships" xmlns:p="http://schemas.openxmlformats.org/presentationml/2006/main">
   <p:cSld>
@@ -7695,11 +7706,7 @@
           <a:p>
             <a:r>
               <a:rPr lang="zh-TW" altLang="en-US" dirty="0" smtClean="0"/>
-              <a:t>分析個股近一年</a:t>
-            </a:r>
-            <a:r>
-              <a:rPr lang="zh-TW" altLang="en-US" dirty="0" smtClean="0"/>
-              <a:t>趨勢</a:t>
+              <a:t>分析個股近一年趨勢</a:t>
             </a:r>
             <a:r>
               <a:rPr lang="en-US" altLang="zh-TW" dirty="0" smtClean="0"/>
@@ -7717,7 +7724,6 @@
               <a:rPr lang="en-US" altLang="zh-TW" dirty="0" smtClean="0"/>
               <a:t>)</a:t>
             </a:r>
-            <a:endParaRPr lang="en-US" altLang="zh-TW" dirty="0" smtClean="0"/>
           </a:p>
           <a:p>
             <a:r>
@@ -7740,22 +7746,14 @@
           <a:p>
             <a:r>
               <a:rPr lang="zh-TW" altLang="en-US" dirty="0" smtClean="0"/>
-              <a:t>買進</a:t>
-            </a:r>
-            <a:r>
-              <a:rPr lang="zh-TW" altLang="en-US" dirty="0" smtClean="0"/>
-              <a:t>規則</a:t>
+              <a:t>買進規則</a:t>
             </a:r>
             <a:endParaRPr lang="en-US" altLang="zh-TW" dirty="0" smtClean="0"/>
           </a:p>
           <a:p>
             <a:r>
               <a:rPr lang="zh-TW" altLang="en-US" smtClean="0"/>
-              <a:t>賣出</a:t>
-            </a:r>
-            <a:r>
-              <a:rPr lang="zh-TW" altLang="en-US" smtClean="0"/>
-              <a:t>規則</a:t>
+              <a:t>賣出規則</a:t>
             </a:r>
             <a:endParaRPr lang="zh-TW" altLang="en-US" dirty="0"/>
           </a:p>
@@ -8332,11 +8330,7 @@
           <a:p>
             <a:r>
               <a:rPr lang="zh-TW" altLang="en-US" dirty="0" smtClean="0"/>
-              <a:t>遇到</a:t>
-            </a:r>
-            <a:r>
-              <a:rPr lang="zh-TW" altLang="en-US" dirty="0" smtClean="0"/>
-              <a:t>問題</a:t>
+              <a:t>遇到問題</a:t>
             </a:r>
             <a:r>
               <a:rPr lang="en-US" altLang="zh-TW" dirty="0" smtClean="0"/>
